--- a/logs/LAHIT.pptx
+++ b/logs/LAHIT.pptx
@@ -305,7 +305,7 @@
             <a:pPr algn="r">
               <a:buNone/>
             </a:pPr>
-            <a:fld id="{727B8AFD-5122-411D-9803-82448A259449}" type="slidenum">
+            <a:fld id="{D088FB82-9CFA-4D3A-B37F-9D762A902F90}" type="slidenum">
               <a:rPr b="0" lang="en-US" sz="1400" spc="-1" strike="noStrike">
                 <a:latin typeface="Times New Roman"/>
               </a:rPr>
@@ -353,7 +353,7 @@
         <p:spPr>
           <a:xfrm>
             <a:off x="685800" y="1143000"/>
-            <a:ext cx="5483880" cy="3083760"/>
+            <a:ext cx="5483520" cy="3083400"/>
           </a:xfrm>
           <a:prstGeom prst="rect">
             <a:avLst/>
@@ -376,7 +376,7 @@
         <p:spPr>
           <a:xfrm>
             <a:off x="685800" y="4400640"/>
-            <a:ext cx="5483880" cy="3597840"/>
+            <a:ext cx="5483520" cy="3597480"/>
           </a:xfrm>
           <a:prstGeom prst="rect">
             <a:avLst/>
@@ -406,7 +406,7 @@
         <p:spPr>
           <a:xfrm>
             <a:off x="3884760" y="8685360"/>
-            <a:ext cx="2969280" cy="456120"/>
+            <a:ext cx="2968920" cy="455760"/>
           </a:xfrm>
           <a:prstGeom prst="rect">
             <a:avLst/>
@@ -433,7 +433,7 @@
               </a:lnSpc>
               <a:buNone/>
             </a:pPr>
-            <a:fld id="{5E39C4E8-54A9-4873-B85B-9984D65BEDA7}" type="slidenum">
+            <a:fld id="{723F2AB6-EB80-4F4F-AAE0-2715BA8B9164}" type="slidenum">
               <a:rPr b="0" lang="en-GB" sz="1200" spc="-1" strike="noStrike">
                 <a:solidFill>
                   <a:srgbClr val="000000"/>
@@ -484,7 +484,7 @@
         <p:spPr>
           <a:xfrm>
             <a:off x="685800" y="1143000"/>
-            <a:ext cx="5482440" cy="3082320"/>
+            <a:ext cx="5482080" cy="3081960"/>
           </a:xfrm>
           <a:prstGeom prst="rect">
             <a:avLst/>
@@ -507,7 +507,7 @@
         <p:spPr>
           <a:xfrm>
             <a:off x="685800" y="4400640"/>
-            <a:ext cx="5482440" cy="3596400"/>
+            <a:ext cx="5482080" cy="3596040"/>
           </a:xfrm>
           <a:prstGeom prst="rect">
             <a:avLst/>
@@ -537,7 +537,7 @@
         <p:spPr>
           <a:xfrm>
             <a:off x="3884760" y="8685360"/>
-            <a:ext cx="2967840" cy="454680"/>
+            <a:ext cx="2967480" cy="454320"/>
           </a:xfrm>
           <a:prstGeom prst="rect">
             <a:avLst/>
@@ -564,7 +564,7 @@
               </a:lnSpc>
               <a:buNone/>
             </a:pPr>
-            <a:fld id="{7FC8A614-60FA-4F78-B38B-0BF249085DC7}" type="slidenum">
+            <a:fld id="{5C46B94E-4BC3-488C-8145-C68BC1D10927}" type="slidenum">
               <a:rPr b="0" lang="en-GB" sz="1200" spc="-1" strike="noStrike">
                 <a:solidFill>
                   <a:srgbClr val="000000"/>
@@ -615,7 +615,7 @@
         <p:spPr>
           <a:xfrm>
             <a:off x="685800" y="1143000"/>
-            <a:ext cx="5482440" cy="3082320"/>
+            <a:ext cx="5482080" cy="3081960"/>
           </a:xfrm>
           <a:prstGeom prst="rect">
             <a:avLst/>
@@ -638,7 +638,7 @@
         <p:spPr>
           <a:xfrm>
             <a:off x="685800" y="4400640"/>
-            <a:ext cx="5482440" cy="3596400"/>
+            <a:ext cx="5482080" cy="3596040"/>
           </a:xfrm>
           <a:prstGeom prst="rect">
             <a:avLst/>
@@ -668,7 +668,7 @@
         <p:spPr>
           <a:xfrm>
             <a:off x="3884760" y="8685360"/>
-            <a:ext cx="2967840" cy="454680"/>
+            <a:ext cx="2967480" cy="454320"/>
           </a:xfrm>
           <a:prstGeom prst="rect">
             <a:avLst/>
@@ -695,7 +695,7 @@
               </a:lnSpc>
               <a:buNone/>
             </a:pPr>
-            <a:fld id="{0BAB3C35-1A6C-4AAB-9588-5E1F958B9112}" type="slidenum">
+            <a:fld id="{FDA95CC3-8CA4-4722-97A4-115A002E7A06}" type="slidenum">
               <a:rPr b="0" lang="en-GB" sz="1200" spc="-1" strike="noStrike">
                 <a:solidFill>
                   <a:srgbClr val="000000"/>
@@ -746,7 +746,7 @@
         <p:spPr>
           <a:xfrm>
             <a:off x="383760" y="694800"/>
-            <a:ext cx="6088680" cy="3427560"/>
+            <a:ext cx="6088320" cy="3427200"/>
           </a:xfrm>
           <a:prstGeom prst="rect">
             <a:avLst/>
@@ -769,7 +769,7 @@
         <p:spPr>
           <a:xfrm>
             <a:off x="685800" y="4400640"/>
-            <a:ext cx="5484240" cy="3598200"/>
+            <a:ext cx="5483880" cy="3597840"/>
           </a:xfrm>
           <a:prstGeom prst="rect">
             <a:avLst/>
@@ -799,7 +799,7 @@
         <p:spPr>
           <a:xfrm>
             <a:off x="3884760" y="8685360"/>
-            <a:ext cx="2969640" cy="456480"/>
+            <a:ext cx="2969280" cy="456120"/>
           </a:xfrm>
           <a:prstGeom prst="rect">
             <a:avLst/>
@@ -826,7 +826,7 @@
               </a:lnSpc>
               <a:buNone/>
             </a:pPr>
-            <a:fld id="{C8B11DB2-4ED1-48B9-8EB2-0254DBFCBC92}" type="slidenum">
+            <a:fld id="{EE21249E-510C-431C-A8D5-B9F36922CC31}" type="slidenum">
               <a:rPr b="0" lang="en-GB" sz="1200" spc="-1" strike="noStrike">
                 <a:solidFill>
                   <a:srgbClr val="000000"/>
@@ -877,7 +877,7 @@
         <p:spPr>
           <a:xfrm>
             <a:off x="685800" y="1143000"/>
-            <a:ext cx="5482440" cy="3082320"/>
+            <a:ext cx="5482080" cy="3081960"/>
           </a:xfrm>
           <a:prstGeom prst="rect">
             <a:avLst/>
@@ -900,7 +900,7 @@
         <p:spPr>
           <a:xfrm>
             <a:off x="685800" y="4400640"/>
-            <a:ext cx="5482440" cy="3596400"/>
+            <a:ext cx="5482080" cy="3596040"/>
           </a:xfrm>
           <a:prstGeom prst="rect">
             <a:avLst/>
@@ -930,7 +930,7 @@
         <p:spPr>
           <a:xfrm>
             <a:off x="3884760" y="8685360"/>
-            <a:ext cx="2967840" cy="454680"/>
+            <a:ext cx="2967480" cy="454320"/>
           </a:xfrm>
           <a:prstGeom prst="rect">
             <a:avLst/>
@@ -957,7 +957,7 @@
               </a:lnSpc>
               <a:buNone/>
             </a:pPr>
-            <a:fld id="{58559631-65B4-4773-9A1D-8C5505427D03}" type="slidenum">
+            <a:fld id="{6009B226-FB8E-4FE9-85A6-EACCDFA5F3A2}" type="slidenum">
               <a:rPr b="0" lang="en-GB" sz="1200" spc="-1" strike="noStrike">
                 <a:solidFill>
                   <a:srgbClr val="000000"/>
@@ -1008,7 +1008,7 @@
         <p:spPr>
           <a:xfrm>
             <a:off x="685800" y="1143000"/>
-            <a:ext cx="5482440" cy="3082320"/>
+            <a:ext cx="5482080" cy="3081960"/>
           </a:xfrm>
           <a:prstGeom prst="rect">
             <a:avLst/>
@@ -1031,7 +1031,7 @@
         <p:spPr>
           <a:xfrm>
             <a:off x="685800" y="4400640"/>
-            <a:ext cx="5482440" cy="3596400"/>
+            <a:ext cx="5482080" cy="3596040"/>
           </a:xfrm>
           <a:prstGeom prst="rect">
             <a:avLst/>
@@ -1061,7 +1061,7 @@
         <p:spPr>
           <a:xfrm>
             <a:off x="3884760" y="8685360"/>
-            <a:ext cx="2967840" cy="454680"/>
+            <a:ext cx="2967480" cy="454320"/>
           </a:xfrm>
           <a:prstGeom prst="rect">
             <a:avLst/>
@@ -1088,7 +1088,7 @@
               </a:lnSpc>
               <a:buNone/>
             </a:pPr>
-            <a:fld id="{93E7F9B6-42B9-476F-898F-41A5C36C4B72}" type="slidenum">
+            <a:fld id="{7E0B86C1-A5A1-4CDC-9361-ACFC3DA8C840}" type="slidenum">
               <a:rPr b="0" lang="en-GB" sz="1200" spc="-1" strike="noStrike">
                 <a:solidFill>
                   <a:srgbClr val="000000"/>
@@ -1139,7 +1139,7 @@
         <p:spPr>
           <a:xfrm>
             <a:off x="685800" y="1143000"/>
-            <a:ext cx="5482800" cy="3082680"/>
+            <a:ext cx="5482440" cy="3082320"/>
           </a:xfrm>
           <a:prstGeom prst="rect">
             <a:avLst/>
@@ -1162,7 +1162,7 @@
         <p:spPr>
           <a:xfrm>
             <a:off x="685800" y="4400640"/>
-            <a:ext cx="5482800" cy="3596760"/>
+            <a:ext cx="5482440" cy="3596400"/>
           </a:xfrm>
           <a:prstGeom prst="rect">
             <a:avLst/>
@@ -1192,7 +1192,7 @@
         <p:spPr>
           <a:xfrm>
             <a:off x="3884760" y="8685360"/>
-            <a:ext cx="2968200" cy="455040"/>
+            <a:ext cx="2967840" cy="454680"/>
           </a:xfrm>
           <a:prstGeom prst="rect">
             <a:avLst/>
@@ -1219,7 +1219,7 @@
               </a:lnSpc>
               <a:buNone/>
             </a:pPr>
-            <a:fld id="{F9B9441F-59A1-4871-BA35-FDD98054D87F}" type="slidenum">
+            <a:fld id="{141C35FC-7AFB-4E2E-9EAE-431B0BAC5797}" type="slidenum">
               <a:rPr b="0" lang="en-GB" sz="1200" spc="-1" strike="noStrike">
                 <a:solidFill>
                   <a:srgbClr val="000000"/>
@@ -1270,7 +1270,7 @@
         <p:spPr>
           <a:xfrm>
             <a:off x="685800" y="1143000"/>
-            <a:ext cx="5482440" cy="3082320"/>
+            <a:ext cx="5482080" cy="3081960"/>
           </a:xfrm>
           <a:prstGeom prst="rect">
             <a:avLst/>
@@ -1293,7 +1293,7 @@
         <p:spPr>
           <a:xfrm>
             <a:off x="685800" y="4400640"/>
-            <a:ext cx="5482440" cy="3596400"/>
+            <a:ext cx="5482080" cy="3596040"/>
           </a:xfrm>
           <a:prstGeom prst="rect">
             <a:avLst/>
@@ -1323,7 +1323,7 @@
         <p:spPr>
           <a:xfrm>
             <a:off x="3884760" y="8685360"/>
-            <a:ext cx="2967840" cy="454680"/>
+            <a:ext cx="2967480" cy="454320"/>
           </a:xfrm>
           <a:prstGeom prst="rect">
             <a:avLst/>
@@ -1350,7 +1350,7 @@
               </a:lnSpc>
               <a:buNone/>
             </a:pPr>
-            <a:fld id="{F88F9D96-9AA7-4300-B2C7-10E4D4D14502}" type="slidenum">
+            <a:fld id="{1FDC104D-3C18-4DBB-80B8-24854A45E4BC}" type="slidenum">
               <a:rPr b="0" lang="en-GB" sz="1200" spc="-1" strike="noStrike">
                 <a:solidFill>
                   <a:srgbClr val="000000"/>
@@ -1401,7 +1401,7 @@
         <p:spPr>
           <a:xfrm>
             <a:off x="685800" y="1143000"/>
-            <a:ext cx="5482440" cy="3082320"/>
+            <a:ext cx="5482080" cy="3081960"/>
           </a:xfrm>
           <a:prstGeom prst="rect">
             <a:avLst/>
@@ -1424,7 +1424,7 @@
         <p:spPr>
           <a:xfrm>
             <a:off x="685800" y="4400640"/>
-            <a:ext cx="5482440" cy="3596400"/>
+            <a:ext cx="5482080" cy="3596040"/>
           </a:xfrm>
           <a:prstGeom prst="rect">
             <a:avLst/>
@@ -1454,7 +1454,7 @@
         <p:spPr>
           <a:xfrm>
             <a:off x="3884760" y="8685360"/>
-            <a:ext cx="2967840" cy="454680"/>
+            <a:ext cx="2967480" cy="454320"/>
           </a:xfrm>
           <a:prstGeom prst="rect">
             <a:avLst/>
@@ -1481,7 +1481,7 @@
               </a:lnSpc>
               <a:buNone/>
             </a:pPr>
-            <a:fld id="{653134E8-1F89-404E-BDC8-C9587F26B412}" type="slidenum">
+            <a:fld id="{131EBDE9-C09F-4AAB-A0FE-48132F21C319}" type="slidenum">
               <a:rPr b="0" lang="en-GB" sz="1200" spc="-1" strike="noStrike">
                 <a:solidFill>
                   <a:srgbClr val="000000"/>
@@ -1532,7 +1532,7 @@
         <p:spPr>
           <a:xfrm>
             <a:off x="685800" y="1143000"/>
-            <a:ext cx="5482440" cy="3082320"/>
+            <a:ext cx="5482080" cy="3081960"/>
           </a:xfrm>
           <a:prstGeom prst="rect">
             <a:avLst/>
@@ -1555,7 +1555,7 @@
         <p:spPr>
           <a:xfrm>
             <a:off x="685800" y="4400640"/>
-            <a:ext cx="5482440" cy="3596400"/>
+            <a:ext cx="5482080" cy="3596040"/>
           </a:xfrm>
           <a:prstGeom prst="rect">
             <a:avLst/>
@@ -1585,7 +1585,7 @@
         <p:spPr>
           <a:xfrm>
             <a:off x="3884760" y="8685360"/>
-            <a:ext cx="2967840" cy="454680"/>
+            <a:ext cx="2967480" cy="454320"/>
           </a:xfrm>
           <a:prstGeom prst="rect">
             <a:avLst/>
@@ -1612,7 +1612,7 @@
               </a:lnSpc>
               <a:buNone/>
             </a:pPr>
-            <a:fld id="{333E7F12-11DD-4F3C-9398-D76EF0685897}" type="slidenum">
+            <a:fld id="{5E4C597A-9BB7-4AC8-96E8-5B5411E65CCA}" type="slidenum">
               <a:rPr b="0" lang="en-GB" sz="1200" spc="-1" strike="noStrike">
                 <a:solidFill>
                   <a:srgbClr val="000000"/>
@@ -1663,7 +1663,7 @@
         <p:spPr>
           <a:xfrm>
             <a:off x="685800" y="1143000"/>
-            <a:ext cx="5482440" cy="3082320"/>
+            <a:ext cx="5482080" cy="3081960"/>
           </a:xfrm>
           <a:prstGeom prst="rect">
             <a:avLst/>
@@ -1686,7 +1686,7 @@
         <p:spPr>
           <a:xfrm>
             <a:off x="685800" y="4400640"/>
-            <a:ext cx="5482440" cy="3596400"/>
+            <a:ext cx="5482080" cy="3596040"/>
           </a:xfrm>
           <a:prstGeom prst="rect">
             <a:avLst/>
@@ -1716,7 +1716,7 @@
         <p:spPr>
           <a:xfrm>
             <a:off x="3884760" y="8685360"/>
-            <a:ext cx="2967840" cy="454680"/>
+            <a:ext cx="2967480" cy="454320"/>
           </a:xfrm>
           <a:prstGeom prst="rect">
             <a:avLst/>
@@ -1743,7 +1743,7 @@
               </a:lnSpc>
               <a:buNone/>
             </a:pPr>
-            <a:fld id="{52A8F3A0-E484-4C8E-80CF-C5129D79EF0C}" type="slidenum">
+            <a:fld id="{9ADF1C51-8B94-4E28-A5AF-AAC6718399B3}" type="slidenum">
               <a:rPr b="0" lang="en-GB" sz="1200" spc="-1" strike="noStrike">
                 <a:solidFill>
                   <a:srgbClr val="000000"/>
@@ -1794,7 +1794,7 @@
         <p:spPr>
           <a:xfrm>
             <a:off x="685800" y="1143000"/>
-            <a:ext cx="5482440" cy="3082320"/>
+            <a:ext cx="5482080" cy="3081960"/>
           </a:xfrm>
           <a:prstGeom prst="rect">
             <a:avLst/>
@@ -1817,7 +1817,7 @@
         <p:spPr>
           <a:xfrm>
             <a:off x="685800" y="4400640"/>
-            <a:ext cx="5482440" cy="3596400"/>
+            <a:ext cx="5482080" cy="3596040"/>
           </a:xfrm>
           <a:prstGeom prst="rect">
             <a:avLst/>
@@ -1847,7 +1847,7 @@
         <p:spPr>
           <a:xfrm>
             <a:off x="3884760" y="8685360"/>
-            <a:ext cx="2967840" cy="454680"/>
+            <a:ext cx="2967480" cy="454320"/>
           </a:xfrm>
           <a:prstGeom prst="rect">
             <a:avLst/>
@@ -1874,7 +1874,7 @@
               </a:lnSpc>
               <a:buNone/>
             </a:pPr>
-            <a:fld id="{DB439B4C-CA11-4667-A433-9BA33BE7C0EB}" type="slidenum">
+            <a:fld id="{9B16C2FB-9745-4DE5-977E-641BB27977EB}" type="slidenum">
               <a:rPr b="0" lang="en-GB" sz="1200" spc="-1" strike="noStrike">
                 <a:solidFill>
                   <a:srgbClr val="000000"/>
@@ -6504,7 +6504,7 @@
         <p:spPr>
           <a:xfrm>
             <a:off x="8156520" y="4572360"/>
-            <a:ext cx="984960" cy="572400"/>
+            <a:ext cx="984600" cy="572040"/>
           </a:xfrm>
           <a:prstGeom prst="rect">
             <a:avLst/>
@@ -6523,7 +6523,7 @@
         <p:spPr>
           <a:xfrm>
             <a:off x="0" y="2918160"/>
-            <a:ext cx="9141480" cy="1078560"/>
+            <a:ext cx="9141120" cy="1078200"/>
           </a:xfrm>
           <a:prstGeom prst="rect">
             <a:avLst/>
@@ -6557,7 +6557,7 @@
         <p:spPr>
           <a:xfrm>
             <a:off x="7340760" y="4572360"/>
-            <a:ext cx="1800720" cy="572400"/>
+            <a:ext cx="1800360" cy="572040"/>
           </a:xfrm>
           <a:prstGeom prst="rect">
             <a:avLst/>
@@ -6620,7 +6620,7 @@
         <p:spPr>
           <a:xfrm>
             <a:off x="457200" y="1204560"/>
-            <a:ext cx="8229240" cy="2985480"/>
+            <a:ext cx="8228880" cy="2985120"/>
           </a:xfrm>
           <a:prstGeom prst="rect">
             <a:avLst/>
@@ -6647,12 +6647,12 @@
               <a:buChar char=""/>
             </a:pPr>
             <a:r>
-              <a:rPr b="0" lang="en-US" sz="3200" spc="-1" strike="noStrike">
+              <a:rPr b="0" lang="en-US" sz="1800" spc="-1" strike="noStrike">
                 <a:latin typeface="Arial"/>
               </a:rPr>
               <a:t>Click to edit the outline text format</a:t>
             </a:r>
-            <a:endParaRPr b="0" lang="en-US" sz="3200" spc="-1" strike="noStrike">
+            <a:endParaRPr b="0" lang="en-US" sz="1800" spc="-1" strike="noStrike">
               <a:latin typeface="Arial"/>
             </a:endParaRPr>
           </a:p>
@@ -6669,12 +6669,12 @@
               <a:buChar char=""/>
             </a:pPr>
             <a:r>
-              <a:rPr b="0" lang="en-US" sz="2800" spc="-1" strike="noStrike">
+              <a:rPr b="0" lang="en-US" sz="1800" spc="-1" strike="noStrike">
                 <a:latin typeface="Arial"/>
               </a:rPr>
               <a:t>Second Outline Level</a:t>
             </a:r>
-            <a:endParaRPr b="0" lang="en-US" sz="2800" spc="-1" strike="noStrike">
+            <a:endParaRPr b="0" lang="en-US" sz="1800" spc="-1" strike="noStrike">
               <a:latin typeface="Arial"/>
             </a:endParaRPr>
           </a:p>
@@ -6691,12 +6691,12 @@
               <a:buChar char=""/>
             </a:pPr>
             <a:r>
-              <a:rPr b="0" lang="en-US" sz="2400" spc="-1" strike="noStrike">
+              <a:rPr b="0" lang="en-US" sz="1800" spc="-1" strike="noStrike">
                 <a:latin typeface="Arial"/>
               </a:rPr>
               <a:t>Third Outline Level</a:t>
             </a:r>
-            <a:endParaRPr b="0" lang="en-US" sz="2400" spc="-1" strike="noStrike">
+            <a:endParaRPr b="0" lang="en-US" sz="1800" spc="-1" strike="noStrike">
               <a:latin typeface="Arial"/>
             </a:endParaRPr>
           </a:p>
@@ -6713,12 +6713,12 @@
               <a:buChar char=""/>
             </a:pPr>
             <a:r>
-              <a:rPr b="0" lang="en-US" sz="2000" spc="-1" strike="noStrike">
+              <a:rPr b="0" lang="en-US" sz="1800" spc="-1" strike="noStrike">
                 <a:latin typeface="Arial"/>
               </a:rPr>
               <a:t>Fourth Outline Level</a:t>
             </a:r>
-            <a:endParaRPr b="0" lang="en-US" sz="2000" spc="-1" strike="noStrike">
+            <a:endParaRPr b="0" lang="en-US" sz="1800" spc="-1" strike="noStrike">
               <a:latin typeface="Arial"/>
             </a:endParaRPr>
           </a:p>
@@ -6735,12 +6735,12 @@
               <a:buChar char=""/>
             </a:pPr>
             <a:r>
-              <a:rPr b="0" lang="en-US" sz="2000" spc="-1" strike="noStrike">
+              <a:rPr b="0" lang="en-US" sz="1800" spc="-1" strike="noStrike">
                 <a:latin typeface="Arial"/>
               </a:rPr>
               <a:t>Fifth Outline Level</a:t>
             </a:r>
-            <a:endParaRPr b="0" lang="en-US" sz="2000" spc="-1" strike="noStrike">
+            <a:endParaRPr b="0" lang="en-US" sz="1800" spc="-1" strike="noStrike">
               <a:latin typeface="Arial"/>
             </a:endParaRPr>
           </a:p>
@@ -6757,12 +6757,12 @@
               <a:buChar char=""/>
             </a:pPr>
             <a:r>
-              <a:rPr b="0" lang="en-US" sz="2000" spc="-1" strike="noStrike">
+              <a:rPr b="0" lang="en-US" sz="1800" spc="-1" strike="noStrike">
                 <a:latin typeface="Arial"/>
               </a:rPr>
               <a:t>Sixth Outline Level</a:t>
             </a:r>
-            <a:endParaRPr b="0" lang="en-US" sz="2000" spc="-1" strike="noStrike">
+            <a:endParaRPr b="0" lang="en-US" sz="1800" spc="-1" strike="noStrike">
               <a:latin typeface="Arial"/>
             </a:endParaRPr>
           </a:p>
@@ -6779,12 +6779,12 @@
               <a:buChar char=""/>
             </a:pPr>
             <a:r>
-              <a:rPr b="0" lang="en-US" sz="2000" spc="-1" strike="noStrike">
+              <a:rPr b="0" lang="en-US" sz="1800" spc="-1" strike="noStrike">
                 <a:latin typeface="Arial"/>
               </a:rPr>
               <a:t>Seventh Outline Level</a:t>
             </a:r>
-            <a:endParaRPr b="0" lang="en-US" sz="2000" spc="-1" strike="noStrike">
+            <a:endParaRPr b="0" lang="en-US" sz="1800" spc="-1" strike="noStrike">
               <a:latin typeface="Arial"/>
             </a:endParaRPr>
           </a:p>
@@ -6847,7 +6847,7 @@
         <p:spPr>
           <a:xfrm>
             <a:off x="8156520" y="4572360"/>
-            <a:ext cx="984600" cy="572040"/>
+            <a:ext cx="984240" cy="571680"/>
           </a:xfrm>
           <a:prstGeom prst="rect">
             <a:avLst/>
@@ -7407,7 +7407,7 @@
         <p:spPr>
           <a:xfrm>
             <a:off x="0" y="2917080"/>
-            <a:ext cx="9141480" cy="790200"/>
+            <a:ext cx="9141120" cy="789840"/>
           </a:xfrm>
           <a:prstGeom prst="rect">
             <a:avLst/>
@@ -7463,7 +7463,7 @@
         <p:spPr>
           <a:xfrm>
             <a:off x="-6840" y="4570920"/>
-            <a:ext cx="7344720" cy="574200"/>
+            <a:ext cx="7344360" cy="573840"/>
           </a:xfrm>
           <a:prstGeom prst="rect">
             <a:avLst/>
@@ -7561,7 +7561,7 @@
         <p:spPr>
           <a:xfrm>
             <a:off x="758880" y="519120"/>
-            <a:ext cx="7552440" cy="535320"/>
+            <a:ext cx="7552080" cy="534960"/>
           </a:xfrm>
           <a:prstGeom prst="rect">
             <a:avLst/>
@@ -7613,7 +7613,7 @@
         <p:spPr>
           <a:xfrm>
             <a:off x="0" y="4572000"/>
-            <a:ext cx="1110600" cy="568800"/>
+            <a:ext cx="1110240" cy="568440"/>
           </a:xfrm>
           <a:prstGeom prst="rect">
             <a:avLst/>
@@ -7642,7 +7642,7 @@
               </a:lnSpc>
               <a:buNone/>
             </a:pPr>
-            <a:fld id="{D7C4525B-8F81-4EC3-9A22-240929D5D0A2}" type="slidenum">
+            <a:fld id="{38440D49-CBE3-48B3-BE49-4BD0C751C35B}" type="slidenum">
               <a:rPr b="0" lang="en-GB" sz="1100" spc="-1" strike="noStrike">
                 <a:solidFill>
                   <a:srgbClr val="000000"/>
@@ -7667,7 +7667,7 @@
         <p:spPr>
           <a:xfrm>
             <a:off x="932400" y="1052640"/>
-            <a:ext cx="7618320" cy="3395160"/>
+            <a:ext cx="7617960" cy="3394800"/>
           </a:xfrm>
           <a:prstGeom prst="rect">
             <a:avLst/>
@@ -7755,7 +7755,7 @@
         <p:spPr>
           <a:xfrm>
             <a:off x="1280160" y="1737360"/>
-            <a:ext cx="6489720" cy="2750400"/>
+            <a:ext cx="6489360" cy="2750040"/>
           </a:xfrm>
           <a:prstGeom prst="rect">
             <a:avLst/>
@@ -7815,7 +7815,7 @@
         <p:spPr>
           <a:xfrm>
             <a:off x="758880" y="519120"/>
-            <a:ext cx="7552440" cy="535320"/>
+            <a:ext cx="7552080" cy="534960"/>
           </a:xfrm>
           <a:prstGeom prst="rect">
             <a:avLst/>
@@ -7867,7 +7867,7 @@
         <p:spPr>
           <a:xfrm>
             <a:off x="0" y="4572000"/>
-            <a:ext cx="1110600" cy="568800"/>
+            <a:ext cx="1110240" cy="568440"/>
           </a:xfrm>
           <a:prstGeom prst="rect">
             <a:avLst/>
@@ -7896,7 +7896,7 @@
               </a:lnSpc>
               <a:buNone/>
             </a:pPr>
-            <a:fld id="{0571BD93-F37C-4B7C-B815-F655D3BAD31D}" type="slidenum">
+            <a:fld id="{B61A9D16-3B79-4C72-8D60-C2B94FA070A1}" type="slidenum">
               <a:rPr b="0" lang="en-GB" sz="1100" spc="-1" strike="noStrike">
                 <a:solidFill>
                   <a:srgbClr val="000000"/>
@@ -7921,7 +7921,7 @@
         <p:spPr>
           <a:xfrm>
             <a:off x="932400" y="1052640"/>
-            <a:ext cx="7618320" cy="3395160"/>
+            <a:ext cx="7617960" cy="3394800"/>
           </a:xfrm>
           <a:prstGeom prst="rect">
             <a:avLst/>
@@ -8025,7 +8025,7 @@
         <p:spPr>
           <a:xfrm>
             <a:off x="758880" y="519120"/>
-            <a:ext cx="7554240" cy="537120"/>
+            <a:ext cx="7553880" cy="536760"/>
           </a:xfrm>
           <a:prstGeom prst="rect">
             <a:avLst/>
@@ -8077,7 +8077,7 @@
         <p:spPr>
           <a:xfrm>
             <a:off x="934920" y="908640"/>
-            <a:ext cx="7620120" cy="3801240"/>
+            <a:ext cx="7619760" cy="3800880"/>
           </a:xfrm>
           <a:prstGeom prst="rect">
             <a:avLst/>
@@ -8845,7 +8845,7 @@
         <p:spPr>
           <a:xfrm>
             <a:off x="1114560" y="4572000"/>
-            <a:ext cx="7040160" cy="574200"/>
+            <a:ext cx="7039800" cy="573840"/>
           </a:xfrm>
           <a:prstGeom prst="rect">
             <a:avLst/>
@@ -8899,7 +8899,7 @@
         <p:spPr>
           <a:xfrm>
             <a:off x="0" y="4572000"/>
-            <a:ext cx="1112400" cy="570600"/>
+            <a:ext cx="1112040" cy="570240"/>
           </a:xfrm>
           <a:prstGeom prst="rect">
             <a:avLst/>
@@ -8928,7 +8928,7 @@
               </a:lnSpc>
               <a:buNone/>
             </a:pPr>
-            <a:fld id="{2F306766-35B9-4EC7-84E4-C99BB41F8175}" type="slidenum">
+            <a:fld id="{6960ED1B-5EF5-4407-8E36-F5933DD5B834}" type="slidenum">
               <a:rPr b="0" lang="en-GB" sz="1100" spc="-1" strike="noStrike">
                 <a:solidFill>
                   <a:srgbClr val="000000"/>
@@ -8994,7 +8994,7 @@
         <p:spPr>
           <a:xfrm>
             <a:off x="758880" y="519120"/>
-            <a:ext cx="7552440" cy="535320"/>
+            <a:ext cx="7552080" cy="534960"/>
           </a:xfrm>
           <a:prstGeom prst="rect">
             <a:avLst/>
@@ -9046,7 +9046,7 @@
         <p:spPr>
           <a:xfrm>
             <a:off x="0" y="4572000"/>
-            <a:ext cx="1110600" cy="568800"/>
+            <a:ext cx="1110240" cy="568440"/>
           </a:xfrm>
           <a:prstGeom prst="rect">
             <a:avLst/>
@@ -9075,7 +9075,7 @@
               </a:lnSpc>
               <a:buNone/>
             </a:pPr>
-            <a:fld id="{37C7B326-4DF0-46A3-A314-65D4C734923C}" type="slidenum">
+            <a:fld id="{85AD6CC0-0DD6-4A89-91D3-B3B672CD7DA7}" type="slidenum">
               <a:rPr b="0" lang="en-GB" sz="1100" spc="-1" strike="noStrike">
                 <a:solidFill>
                   <a:srgbClr val="000000"/>
@@ -9100,7 +9100,7 @@
         <p:spPr>
           <a:xfrm>
             <a:off x="932400" y="1052640"/>
-            <a:ext cx="7618320" cy="3395160"/>
+            <a:ext cx="7617960" cy="3394800"/>
           </a:xfrm>
           <a:prstGeom prst="rect">
             <a:avLst/>
@@ -9193,7 +9193,7 @@
         <p:spPr>
           <a:xfrm>
             <a:off x="758880" y="519120"/>
-            <a:ext cx="7552440" cy="535320"/>
+            <a:ext cx="7552080" cy="534960"/>
           </a:xfrm>
           <a:prstGeom prst="rect">
             <a:avLst/>
@@ -9245,7 +9245,7 @@
         <p:spPr>
           <a:xfrm>
             <a:off x="0" y="4572000"/>
-            <a:ext cx="1110600" cy="568800"/>
+            <a:ext cx="1110240" cy="568440"/>
           </a:xfrm>
           <a:prstGeom prst="rect">
             <a:avLst/>
@@ -9274,7 +9274,7 @@
               </a:lnSpc>
               <a:buNone/>
             </a:pPr>
-            <a:fld id="{5A23D1D6-86B4-44D0-9A9A-DF4A2F2575A5}" type="slidenum">
+            <a:fld id="{969EA1BD-A521-4080-9295-CC581EC09AFF}" type="slidenum">
               <a:rPr b="0" lang="en-GB" sz="1100" spc="-1" strike="noStrike">
                 <a:solidFill>
                   <a:srgbClr val="000000"/>
@@ -9299,7 +9299,7 @@
         <p:spPr>
           <a:xfrm>
             <a:off x="932400" y="1052640"/>
-            <a:ext cx="7618320" cy="3395160"/>
+            <a:ext cx="7617960" cy="3394800"/>
           </a:xfrm>
           <a:prstGeom prst="rect">
             <a:avLst/>
@@ -9445,7 +9445,7 @@
         <p:spPr>
           <a:xfrm>
             <a:off x="758880" y="519120"/>
-            <a:ext cx="7552800" cy="535680"/>
+            <a:ext cx="7552440" cy="535320"/>
           </a:xfrm>
           <a:prstGeom prst="rect">
             <a:avLst/>
@@ -9480,7 +9480,7 @@
                 <a:latin typeface="Calibri"/>
                 <a:ea typeface="DejaVu Sans"/>
               </a:rPr>
-              <a:t>Related work</a:t>
+              <a:t>Motivations</a:t>
             </a:r>
             <a:endParaRPr b="0" lang="en-US" sz="2400" spc="-1" strike="noStrike">
               <a:latin typeface="Arial"/>
@@ -9497,7 +9497,7 @@
         <p:spPr>
           <a:xfrm>
             <a:off x="0" y="4572000"/>
-            <a:ext cx="1110960" cy="569160"/>
+            <a:ext cx="1110600" cy="568800"/>
           </a:xfrm>
           <a:prstGeom prst="rect">
             <a:avLst/>
@@ -9526,7 +9526,7 @@
               </a:lnSpc>
               <a:buNone/>
             </a:pPr>
-            <a:fld id="{FE536A12-B40B-4E65-B3BF-4C18536BA87F}" type="slidenum">
+            <a:fld id="{42945786-479B-4ADF-BE20-3EB796D24570}" type="slidenum">
               <a:rPr b="0" lang="en-GB" sz="1100" spc="-1" strike="noStrike">
                 <a:solidFill>
                   <a:srgbClr val="000000"/>
@@ -9551,7 +9551,7 @@
         <p:spPr>
           <a:xfrm>
             <a:off x="932400" y="1052640"/>
-            <a:ext cx="7618680" cy="3395520"/>
+            <a:ext cx="7618320" cy="3395160"/>
           </a:xfrm>
           <a:prstGeom prst="rect">
             <a:avLst/>
@@ -9604,9 +9604,9 @@
         <p:grpSpPr>
           <a:xfrm>
             <a:off x="1864800" y="1054800"/>
-            <a:ext cx="1456200" cy="1600200"/>
+            <a:ext cx="1455840" cy="1599840"/>
             <a:chOff x="1864800" y="1054800"/>
-            <a:chExt cx="1456200" cy="1600200"/>
+            <a:chExt cx="1455840" cy="1599840"/>
           </a:xfrm>
         </p:grpSpPr>
         <p:pic>
@@ -9622,7 +9622,7 @@
           <p:spPr>
             <a:xfrm>
               <a:off x="1864800" y="1283400"/>
-              <a:ext cx="1225440" cy="1143000"/>
+              <a:ext cx="1225080" cy="1142640"/>
             </a:xfrm>
             <a:prstGeom prst="rect">
               <a:avLst/>
@@ -9641,7 +9641,7 @@
           <p:spPr>
             <a:xfrm>
               <a:off x="2340000" y="1969200"/>
-              <a:ext cx="100440" cy="100440"/>
+              <a:ext cx="100080" cy="100080"/>
             </a:xfrm>
             <a:prstGeom prst="rect">
               <a:avLst/>
@@ -9669,7 +9669,7 @@
           <p:spPr>
             <a:xfrm>
               <a:off x="3092400" y="1054800"/>
-              <a:ext cx="228600" cy="1600200"/>
+              <a:ext cx="228240" cy="1599840"/>
             </a:xfrm>
             <a:prstGeom prst="rect">
               <a:avLst/>
@@ -9700,7 +9700,7 @@
         <p:spPr>
           <a:xfrm>
             <a:off x="228600" y="2743200"/>
-            <a:ext cx="1456200" cy="228600"/>
+            <a:ext cx="1455840" cy="228240"/>
           </a:xfrm>
           <a:prstGeom prst="rect">
             <a:avLst/>
@@ -9734,7 +9734,7 @@
         <p:spPr>
           <a:xfrm>
             <a:off x="1742400" y="2696760"/>
-            <a:ext cx="5265360" cy="1695240"/>
+            <a:ext cx="5265000" cy="1694880"/>
           </a:xfrm>
           <a:prstGeom prst="rect">
             <a:avLst/>
@@ -9753,7 +9753,7 @@
         <p:spPr>
           <a:xfrm>
             <a:off x="1600200" y="2394000"/>
-            <a:ext cx="1720800" cy="228600"/>
+            <a:ext cx="1720440" cy="228240"/>
           </a:xfrm>
           <a:prstGeom prst="rect">
             <a:avLst/>
@@ -9783,7 +9783,7 @@
         <p:spPr>
           <a:xfrm>
             <a:off x="5779080" y="4325040"/>
-            <a:ext cx="1005840" cy="228600"/>
+            <a:ext cx="1005480" cy="228240"/>
           </a:xfrm>
           <a:prstGeom prst="wedgeRoundRectCallout">
             <a:avLst>
@@ -9822,13 +9822,11 @@
                   <a:srgbClr val="158466"/>
                 </a:solidFill>
                 <a:latin typeface="Arial"/>
+                <a:ea typeface="DejaVu Sans"/>
               </a:rPr>
               <a:t>Predicted as Soybean Mintill correctly</a:t>
             </a:r>
             <a:endParaRPr b="0" lang="en-US" sz="600" spc="-1" strike="noStrike">
-              <a:solidFill>
-                <a:srgbClr val="158466"/>
-              </a:solidFill>
               <a:latin typeface="Arial"/>
             </a:endParaRPr>
           </a:p>
@@ -9843,7 +9841,7 @@
         <p:spPr>
           <a:xfrm>
             <a:off x="3970800" y="4320000"/>
-            <a:ext cx="1005840" cy="228600"/>
+            <a:ext cx="1005480" cy="228240"/>
           </a:xfrm>
           <a:prstGeom prst="wedgeRoundRectCallout">
             <a:avLst>
@@ -9882,13 +9880,11 @@
                   <a:srgbClr val="000000"/>
                 </a:solidFill>
                 <a:latin typeface="Arial"/>
+                <a:ea typeface="DejaVu Sans"/>
               </a:rPr>
               <a:t>Predicted as Corn Notill wrongly</a:t>
             </a:r>
             <a:endParaRPr b="0" lang="en-US" sz="600" spc="-1" strike="noStrike">
-              <a:solidFill>
-                <a:srgbClr val="000000"/>
-              </a:solidFill>
               <a:latin typeface="Arial"/>
             </a:endParaRPr>
           </a:p>
@@ -9903,7 +9899,7 @@
         <p:spPr>
           <a:xfrm>
             <a:off x="2106000" y="4326120"/>
-            <a:ext cx="1005840" cy="228600"/>
+            <a:ext cx="1005480" cy="228240"/>
           </a:xfrm>
           <a:prstGeom prst="wedgeRoundRectCallout">
             <a:avLst>
@@ -9942,13 +9938,11 @@
                   <a:srgbClr val="158466"/>
                 </a:solidFill>
                 <a:latin typeface="Arial"/>
+                <a:ea typeface="DejaVu Sans"/>
               </a:rPr>
               <a:t>True label: Soybean Mintill</a:t>
             </a:r>
             <a:endParaRPr b="0" lang="en-US" sz="600" spc="-1" strike="noStrike">
-              <a:solidFill>
-                <a:srgbClr val="158466"/>
-              </a:solidFill>
               <a:latin typeface="Arial"/>
             </a:endParaRPr>
           </a:p>
@@ -9957,27 +9951,39 @@
       <p:sp>
         <p:nvSpPr>
           <p:cNvPr id="145" name=""/>
-          <p:cNvSpPr txBox="1"/>
+          <p:cNvSpPr/>
           <p:nvPr/>
         </p:nvSpPr>
         <p:spPr>
           <a:xfrm>
             <a:off x="2286000" y="2406600"/>
-            <a:ext cx="457200" cy="189360"/>
-          </a:xfrm>
-          <a:prstGeom prst="rect">
-            <a:avLst/>
-          </a:prstGeom>
-          <a:noFill/>
-          <a:ln w="0">
-            <a:noFill/>
-          </a:ln>
-        </p:spPr>
+            <a:ext cx="456840" cy="189000"/>
+          </a:xfrm>
+          <a:prstGeom prst="rect">
+            <a:avLst/>
+          </a:prstGeom>
+          <a:noFill/>
+          <a:ln w="0">
+            <a:noFill/>
+          </a:ln>
+        </p:spPr>
+        <p:style>
+          <a:lnRef idx="0"/>
+          <a:fillRef idx="0"/>
+          <a:effectRef idx="0"/>
+          <a:fontRef idx="minor"/>
+        </p:style>
         <p:txBody>
           <a:bodyPr lIns="90000" rIns="90000" tIns="45000" bIns="45000" anchor="t">
             <a:noAutofit/>
           </a:bodyPr>
           <a:p>
+            <a:pPr>
+              <a:lnSpc>
+                <a:spcPct val="100000"/>
+              </a:lnSpc>
+              <a:buNone/>
+            </a:pPr>
             <a:r>
               <a:rPr b="0" lang="en-US" sz="700" spc="-1" strike="noStrike">
                 <a:latin typeface="Arial"/>
@@ -10003,7 +10009,7 @@
         <p:spPr>
           <a:xfrm>
             <a:off x="3419640" y="954000"/>
-            <a:ext cx="3040560" cy="1690920"/>
+            <a:ext cx="3040200" cy="1690560"/>
           </a:xfrm>
           <a:prstGeom prst="rect">
             <a:avLst/>
@@ -10022,7 +10028,7 @@
         <p:spPr>
           <a:xfrm>
             <a:off x="2404440" y="1998000"/>
-            <a:ext cx="1481760" cy="0"/>
+            <a:ext cx="1481760" cy="360"/>
           </a:xfrm>
           <a:prstGeom prst="line">
             <a:avLst/>
@@ -10078,7 +10084,7 @@
         <p:spPr>
           <a:xfrm>
             <a:off x="6472800" y="577800"/>
-            <a:ext cx="457200" cy="2057400"/>
+            <a:ext cx="456840" cy="2057040"/>
           </a:xfrm>
           <a:prstGeom prst="rect">
             <a:avLst/>
@@ -10108,7 +10114,7 @@
         <p:spPr>
           <a:xfrm>
             <a:off x="3429000" y="2617560"/>
-            <a:ext cx="3200400" cy="100440"/>
+            <a:ext cx="3200040" cy="100080"/>
           </a:xfrm>
           <a:prstGeom prst="rect">
             <a:avLst/>
@@ -10132,27 +10138,39 @@
       <p:sp>
         <p:nvSpPr>
           <p:cNvPr id="151" name=""/>
-          <p:cNvSpPr txBox="1"/>
+          <p:cNvSpPr/>
           <p:nvPr/>
         </p:nvSpPr>
         <p:spPr>
           <a:xfrm>
             <a:off x="4590720" y="2468880"/>
-            <a:ext cx="457200" cy="189360"/>
-          </a:xfrm>
-          <a:prstGeom prst="rect">
-            <a:avLst/>
-          </a:prstGeom>
-          <a:noFill/>
-          <a:ln w="0">
-            <a:noFill/>
-          </a:ln>
-        </p:spPr>
+            <a:ext cx="456840" cy="189000"/>
+          </a:xfrm>
+          <a:prstGeom prst="rect">
+            <a:avLst/>
+          </a:prstGeom>
+          <a:noFill/>
+          <a:ln w="0">
+            <a:noFill/>
+          </a:ln>
+        </p:spPr>
+        <p:style>
+          <a:lnRef idx="0"/>
+          <a:fillRef idx="0"/>
+          <a:effectRef idx="0"/>
+          <a:fontRef idx="minor"/>
+        </p:style>
         <p:txBody>
           <a:bodyPr lIns="90000" rIns="90000" tIns="45000" bIns="45000" anchor="t">
             <a:noAutofit/>
           </a:bodyPr>
           <a:p>
+            <a:pPr>
+              <a:lnSpc>
+                <a:spcPct val="100000"/>
+              </a:lnSpc>
+              <a:buNone/>
+            </a:pPr>
             <a:r>
               <a:rPr b="0" lang="en-US" sz="700" spc="-1" strike="noStrike">
                 <a:latin typeface="Arial"/>
@@ -10215,7 +10233,7 @@
         <p:spPr>
           <a:xfrm>
             <a:off x="758880" y="519120"/>
-            <a:ext cx="7552440" cy="535320"/>
+            <a:ext cx="7552080" cy="534960"/>
           </a:xfrm>
           <a:prstGeom prst="rect">
             <a:avLst/>
@@ -10267,7 +10285,7 @@
         <p:spPr>
           <a:xfrm>
             <a:off x="0" y="4572000"/>
-            <a:ext cx="1110600" cy="568800"/>
+            <a:ext cx="1110240" cy="568440"/>
           </a:xfrm>
           <a:prstGeom prst="rect">
             <a:avLst/>
@@ -10296,7 +10314,7 @@
               </a:lnSpc>
               <a:buNone/>
             </a:pPr>
-            <a:fld id="{D5193A77-F2CB-4799-9739-98D7CCCA3B3D}" type="slidenum">
+            <a:fld id="{9462D326-540A-4C75-8F1E-0CF3A2BE85C4}" type="slidenum">
               <a:rPr b="0" lang="en-GB" sz="1100" spc="-1" strike="noStrike">
                 <a:solidFill>
                   <a:srgbClr val="000000"/>
@@ -10321,7 +10339,7 @@
         <p:spPr>
           <a:xfrm>
             <a:off x="932400" y="1052640"/>
-            <a:ext cx="7618320" cy="3395160"/>
+            <a:ext cx="7617960" cy="3394800"/>
           </a:xfrm>
           <a:prstGeom prst="rect">
             <a:avLst/>
@@ -10511,7 +10529,7 @@
         <p:spPr>
           <a:xfrm>
             <a:off x="5774400" y="1583640"/>
-            <a:ext cx="1261440" cy="2029680"/>
+            <a:ext cx="1261080" cy="2029320"/>
           </a:xfrm>
           <a:custGeom>
             <a:avLst/>
@@ -10565,7 +10583,7 @@
         <p:spPr>
           <a:xfrm>
             <a:off x="1755000" y="1782000"/>
-            <a:ext cx="3428640" cy="914040"/>
+            <a:ext cx="3428280" cy="913680"/>
           </a:xfrm>
           <a:custGeom>
             <a:avLst/>
@@ -10623,7 +10641,7 @@
         <p:spPr>
           <a:xfrm>
             <a:off x="824400" y="3430800"/>
-            <a:ext cx="553320" cy="779040"/>
+            <a:ext cx="552960" cy="778680"/>
           </a:xfrm>
           <a:prstGeom prst="rect">
             <a:avLst/>
@@ -10645,8 +10663,8 @@
         </p:blipFill>
         <p:spPr>
           <a:xfrm rot="16167000">
-            <a:off x="1382760" y="3769560"/>
-            <a:ext cx="1056960" cy="233280"/>
+            <a:off x="1382400" y="3769560"/>
+            <a:ext cx="1056600" cy="232920"/>
           </a:xfrm>
           <a:prstGeom prst="rect">
             <a:avLst/>
@@ -10665,7 +10683,7 @@
         <p:spPr>
           <a:xfrm>
             <a:off x="1465920" y="3789360"/>
-            <a:ext cx="273600" cy="90720"/>
+            <a:ext cx="273240" cy="90360"/>
           </a:xfrm>
           <a:custGeom>
             <a:avLst/>
@@ -10724,7 +10742,7 @@
         <p:spPr>
           <a:xfrm>
             <a:off x="2610000" y="3415680"/>
-            <a:ext cx="360" cy="162720"/>
+            <a:ext cx="360" cy="162360"/>
           </a:xfrm>
           <a:custGeom>
             <a:avLst/>
@@ -10781,7 +10799,7 @@
         <p:spPr>
           <a:xfrm>
             <a:off x="3250080" y="3415680"/>
-            <a:ext cx="360" cy="162720"/>
+            <a:ext cx="360" cy="162360"/>
           </a:xfrm>
           <a:custGeom>
             <a:avLst/>
@@ -10838,7 +10856,7 @@
         <p:spPr>
           <a:xfrm>
             <a:off x="3890160" y="3415680"/>
-            <a:ext cx="360" cy="162720"/>
+            <a:ext cx="360" cy="162360"/>
           </a:xfrm>
           <a:custGeom>
             <a:avLst/>
@@ -10895,7 +10913,7 @@
         <p:spPr>
           <a:xfrm>
             <a:off x="2956320" y="3415680"/>
-            <a:ext cx="360" cy="162720"/>
+            <a:ext cx="360" cy="162360"/>
           </a:xfrm>
           <a:custGeom>
             <a:avLst/>
@@ -10952,7 +10970,7 @@
         <p:spPr>
           <a:xfrm>
             <a:off x="3579840" y="3415680"/>
-            <a:ext cx="360" cy="162720"/>
+            <a:ext cx="360" cy="162360"/>
           </a:xfrm>
           <a:custGeom>
             <a:avLst/>
@@ -11013,7 +11031,7 @@
         <p:spPr>
           <a:xfrm>
             <a:off x="1496520" y="2720160"/>
-            <a:ext cx="3490200" cy="257760"/>
+            <a:ext cx="3489840" cy="257400"/>
           </a:xfrm>
           <a:prstGeom prst="rect">
             <a:avLst/>
@@ -11032,7 +11050,7 @@
         <p:spPr>
           <a:xfrm>
             <a:off x="4178160" y="3416040"/>
-            <a:ext cx="360" cy="162720"/>
+            <a:ext cx="360" cy="162360"/>
           </a:xfrm>
           <a:custGeom>
             <a:avLst/>
@@ -11089,7 +11107,7 @@
         <p:spPr>
           <a:xfrm>
             <a:off x="4538160" y="3416400"/>
-            <a:ext cx="360" cy="162720"/>
+            <a:ext cx="360" cy="162360"/>
           </a:xfrm>
           <a:custGeom>
             <a:avLst/>
@@ -11335,7 +11353,7 @@
         <p:spPr>
           <a:xfrm>
             <a:off x="1878480" y="1762560"/>
-            <a:ext cx="3108240" cy="273600"/>
+            <a:ext cx="3107880" cy="273240"/>
           </a:xfrm>
           <a:prstGeom prst="rect">
             <a:avLst/>
@@ -11387,7 +11405,7 @@
         <p:spPr>
           <a:xfrm>
             <a:off x="3355200" y="2072880"/>
-            <a:ext cx="365040" cy="182160"/>
+            <a:ext cx="364680" cy="181800"/>
           </a:xfrm>
           <a:prstGeom prst="rect">
             <a:avLst/>
@@ -11443,7 +11461,7 @@
         <p:spPr>
           <a:xfrm>
             <a:off x="1321920" y="3597120"/>
-            <a:ext cx="639360" cy="204120"/>
+            <a:ext cx="639000" cy="203760"/>
           </a:xfrm>
           <a:prstGeom prst="rect">
             <a:avLst/>
@@ -11495,7 +11513,7 @@
         <p:spPr>
           <a:xfrm>
             <a:off x="4147200" y="1964880"/>
-            <a:ext cx="365040" cy="182160"/>
+            <a:ext cx="364680" cy="181800"/>
           </a:xfrm>
           <a:prstGeom prst="rect">
             <a:avLst/>
@@ -11636,7 +11654,7 @@
         <p:spPr>
           <a:xfrm>
             <a:off x="5766480" y="1577880"/>
-            <a:ext cx="365040" cy="204120"/>
+            <a:ext cx="364680" cy="203760"/>
           </a:xfrm>
           <a:prstGeom prst="rect">
             <a:avLst/>
@@ -11744,7 +11762,7 @@
         <p:spPr>
           <a:xfrm>
             <a:off x="2260800" y="3096000"/>
-            <a:ext cx="2742840" cy="321840"/>
+            <a:ext cx="2742480" cy="321480"/>
           </a:xfrm>
           <a:custGeom>
             <a:avLst/>
@@ -11824,7 +11842,7 @@
         <p:spPr>
           <a:xfrm>
             <a:off x="1816200" y="2347200"/>
-            <a:ext cx="548280" cy="273960"/>
+            <a:ext cx="547920" cy="273600"/>
           </a:xfrm>
           <a:custGeom>
             <a:avLst/>
@@ -11904,7 +11922,7 @@
         <p:spPr>
           <a:xfrm>
             <a:off x="2536560" y="2347560"/>
-            <a:ext cx="548280" cy="273960"/>
+            <a:ext cx="547920" cy="273600"/>
           </a:xfrm>
           <a:custGeom>
             <a:avLst/>
@@ -12012,7 +12030,7 @@
         <p:spPr>
           <a:xfrm>
             <a:off x="3256920" y="2347920"/>
-            <a:ext cx="548280" cy="273960"/>
+            <a:ext cx="547920" cy="273600"/>
           </a:xfrm>
           <a:custGeom>
             <a:avLst/>
@@ -12092,7 +12110,7 @@
         <p:spPr>
           <a:xfrm>
             <a:off x="4726800" y="2402640"/>
-            <a:ext cx="456840" cy="204480"/>
+            <a:ext cx="456480" cy="204120"/>
           </a:xfrm>
           <a:prstGeom prst="rect">
             <a:avLst/>
@@ -12121,13 +12139,21 @@
             </a:pPr>
             <a:r>
               <a:rPr b="1" i="1" lang="en-US" sz="800" spc="-1" strike="noStrike">
+                <a:solidFill>
+                  <a:srgbClr val="000000"/>
+                </a:solidFill>
                 <a:latin typeface="Arial"/>
+                <a:ea typeface="DejaVu Sans"/>
               </a:rPr>
               <a:t>…</a:t>
             </a:r>
             <a:r>
               <a:rPr b="1" i="1" lang="en-US" sz="800" spc="-1" strike="noStrike">
+                <a:solidFill>
+                  <a:srgbClr val="000000"/>
+                </a:solidFill>
                 <a:latin typeface="Arial"/>
+                <a:ea typeface="DejaVu Sans"/>
               </a:rPr>
               <a:t>...</a:t>
             </a:r>
@@ -12146,7 +12172,7 @@
         <p:spPr>
           <a:xfrm>
             <a:off x="4870800" y="2331000"/>
-            <a:ext cx="456840" cy="204480"/>
+            <a:ext cx="456480" cy="204120"/>
           </a:xfrm>
           <a:prstGeom prst="rect">
             <a:avLst/>
@@ -12175,7 +12201,11 @@
             </a:pPr>
             <a:r>
               <a:rPr b="0" i="1" lang="en-US" sz="800" spc="-1" strike="noStrike">
+                <a:solidFill>
+                  <a:srgbClr val="000000"/>
+                </a:solidFill>
                 <a:latin typeface="Arial"/>
+                <a:ea typeface="DejaVu Sans"/>
               </a:rPr>
               <a:t>B x</a:t>
             </a:r>
@@ -12194,7 +12224,7 @@
         <p:spPr>
           <a:xfrm>
             <a:off x="4049280" y="2348280"/>
-            <a:ext cx="548280" cy="273960"/>
+            <a:ext cx="547920" cy="273600"/>
           </a:xfrm>
           <a:custGeom>
             <a:avLst/>
@@ -12274,7 +12304,7 @@
         <p:spPr>
           <a:xfrm flipV="1">
             <a:off x="2090520" y="2163240"/>
-            <a:ext cx="1264680" cy="183240"/>
+            <a:ext cx="1264320" cy="182880"/>
           </a:xfrm>
           <a:prstGeom prst="bentConnector3">
             <a:avLst>
@@ -12390,8 +12420,8 @@
         </p:nvSpPr>
         <p:spPr>
           <a:xfrm flipV="1">
-            <a:off x="2810880" y="2055960"/>
-            <a:ext cx="1336320" cy="291600"/>
+            <a:off x="2810880" y="2055240"/>
+            <a:ext cx="1335960" cy="291240"/>
           </a:xfrm>
           <a:prstGeom prst="bentConnector3">
             <a:avLst>
@@ -12452,7 +12482,7 @@
         <p:spPr>
           <a:xfrm>
             <a:off x="3720600" y="2163960"/>
-            <a:ext cx="206640" cy="339840"/>
+            <a:ext cx="206280" cy="339480"/>
           </a:xfrm>
           <a:prstGeom prst="bentConnector3">
             <a:avLst>
@@ -12512,7 +12542,7 @@
         <p:spPr>
           <a:xfrm>
             <a:off x="4512600" y="2055960"/>
-            <a:ext cx="185760" cy="447840"/>
+            <a:ext cx="185400" cy="447480"/>
           </a:xfrm>
           <a:prstGeom prst="bentConnector3">
             <a:avLst>
@@ -12544,7 +12574,7 @@
         <p:spPr>
           <a:xfrm>
             <a:off x="5979600" y="3238200"/>
-            <a:ext cx="840960" cy="228240"/>
+            <a:ext cx="840600" cy="227880"/>
           </a:xfrm>
           <a:custGeom>
             <a:avLst/>
@@ -12624,7 +12654,7 @@
         <p:spPr>
           <a:xfrm>
             <a:off x="5979600" y="3022200"/>
-            <a:ext cx="840960" cy="228240"/>
+            <a:ext cx="840600" cy="227880"/>
           </a:xfrm>
           <a:custGeom>
             <a:avLst/>
@@ -12704,7 +12734,7 @@
         <p:spPr>
           <a:xfrm>
             <a:off x="5979600" y="2626200"/>
-            <a:ext cx="840960" cy="228240"/>
+            <a:ext cx="840600" cy="227880"/>
           </a:xfrm>
           <a:custGeom>
             <a:avLst/>
@@ -12784,7 +12814,7 @@
         <p:spPr>
           <a:xfrm>
             <a:off x="5979600" y="2410200"/>
-            <a:ext cx="840960" cy="228240"/>
+            <a:ext cx="840600" cy="227880"/>
           </a:xfrm>
           <a:custGeom>
             <a:avLst/>
@@ -12864,7 +12894,7 @@
         <p:spPr>
           <a:xfrm>
             <a:off x="5979600" y="1978200"/>
-            <a:ext cx="840960" cy="228240"/>
+            <a:ext cx="840600" cy="227880"/>
           </a:xfrm>
           <a:custGeom>
             <a:avLst/>
@@ -12944,7 +12974,7 @@
         <p:spPr>
           <a:xfrm>
             <a:off x="5979600" y="1762200"/>
-            <a:ext cx="840960" cy="228240"/>
+            <a:ext cx="840600" cy="227880"/>
           </a:xfrm>
           <a:custGeom>
             <a:avLst/>
@@ -13082,7 +13112,7 @@
         <p:spPr>
           <a:xfrm>
             <a:off x="1924200" y="1396800"/>
-            <a:ext cx="456840" cy="228240"/>
+            <a:ext cx="456480" cy="227880"/>
           </a:xfrm>
           <a:custGeom>
             <a:avLst/>
@@ -13162,7 +13192,7 @@
         <p:spPr>
           <a:xfrm>
             <a:off x="2602800" y="1395360"/>
-            <a:ext cx="597240" cy="204480"/>
+            <a:ext cx="596880" cy="204120"/>
           </a:xfrm>
           <a:prstGeom prst="rect">
             <a:avLst/>
@@ -13191,7 +13221,11 @@
             </a:pPr>
             <a:r>
               <a:rPr b="0" i="1" lang="en-US" sz="800" spc="-1" strike="noStrike">
+                <a:solidFill>
+                  <a:srgbClr val="000000"/>
+                </a:solidFill>
                 <a:latin typeface="Arial"/>
+                <a:ea typeface="DejaVu Sans"/>
               </a:rPr>
               <a:t>Class</a:t>
             </a:r>
@@ -13238,7 +13272,7 @@
         <p:spPr>
           <a:xfrm>
             <a:off x="889200" y="2691720"/>
-            <a:ext cx="694440" cy="318960"/>
+            <a:ext cx="694080" cy="318600"/>
           </a:xfrm>
           <a:prstGeom prst="rect">
             <a:avLst/>
@@ -13267,7 +13301,11 @@
             </a:pPr>
             <a:r>
               <a:rPr b="0" i="1" lang="en-US" sz="800" spc="-1" strike="noStrike">
+                <a:solidFill>
+                  <a:srgbClr val="000000"/>
+                </a:solidFill>
                 <a:latin typeface="Arial"/>
+                <a:ea typeface="DejaVu Sans"/>
               </a:rPr>
               <a:t>positional embedding</a:t>
             </a:r>
@@ -13286,7 +13324,7 @@
         <p:spPr>
           <a:xfrm>
             <a:off x="946800" y="3051720"/>
-            <a:ext cx="820440" cy="204480"/>
+            <a:ext cx="820080" cy="204120"/>
           </a:xfrm>
           <a:prstGeom prst="rect">
             <a:avLst/>
@@ -13315,7 +13353,11 @@
             </a:pPr>
             <a:r>
               <a:rPr b="0" i="1" lang="en-US" sz="800" spc="-1" strike="noStrike">
+                <a:solidFill>
+                  <a:srgbClr val="000000"/>
+                </a:solidFill>
                 <a:latin typeface="Arial"/>
+                <a:ea typeface="DejaVu Sans"/>
               </a:rPr>
               <a:t>class token</a:t>
             </a:r>
@@ -13389,7 +13431,7 @@
         <p:spPr>
           <a:xfrm>
             <a:off x="2149920" y="3753360"/>
-            <a:ext cx="273600" cy="90720"/>
+            <a:ext cx="273240" cy="90360"/>
           </a:xfrm>
           <a:custGeom>
             <a:avLst/>
@@ -13448,7 +13490,7 @@
         <p:spPr>
           <a:xfrm>
             <a:off x="2514600" y="3585600"/>
-            <a:ext cx="2285640" cy="456840"/>
+            <a:ext cx="2285280" cy="456480"/>
           </a:xfrm>
           <a:custGeom>
             <a:avLst/>
@@ -13505,7 +13547,7 @@
         <p:spPr>
           <a:xfrm>
             <a:off x="2607480" y="3761280"/>
-            <a:ext cx="109440" cy="82080"/>
+            <a:ext cx="109080" cy="81720"/>
           </a:xfrm>
           <a:prstGeom prst="rect">
             <a:avLst/>
@@ -13524,7 +13566,7 @@
         <p:spPr>
           <a:xfrm>
             <a:off x="2062800" y="3807720"/>
-            <a:ext cx="451440" cy="318960"/>
+            <a:ext cx="451080" cy="318600"/>
           </a:xfrm>
           <a:prstGeom prst="rect">
             <a:avLst/>
@@ -13553,7 +13595,11 @@
             </a:pPr>
             <a:r>
               <a:rPr b="0" i="1" lang="en-US" sz="800" spc="-1" strike="noStrike">
+                <a:solidFill>
+                  <a:srgbClr val="000000"/>
+                </a:solidFill>
                 <a:latin typeface="Arial"/>
+                <a:ea typeface="DejaVu Sans"/>
               </a:rPr>
               <a:t>Each </a:t>
             </a:r>
@@ -13570,7 +13616,11 @@
             </a:pPr>
             <a:r>
               <a:rPr b="0" i="1" lang="en-US" sz="800" spc="-1" strike="noStrike">
+                <a:solidFill>
+                  <a:srgbClr val="000000"/>
+                </a:solidFill>
                 <a:latin typeface="Arial"/>
+                <a:ea typeface="DejaVu Sans"/>
               </a:rPr>
               <a:t>patch</a:t>
             </a:r>
@@ -13593,7 +13643,7 @@
         <p:spPr>
           <a:xfrm>
             <a:off x="2931840" y="3761640"/>
-            <a:ext cx="109440" cy="82080"/>
+            <a:ext cx="109080" cy="81720"/>
           </a:xfrm>
           <a:prstGeom prst="rect">
             <a:avLst/>
@@ -13612,7 +13662,7 @@
         <p:spPr>
           <a:xfrm>
             <a:off x="3502800" y="3699000"/>
-            <a:ext cx="456840" cy="204480"/>
+            <a:ext cx="456480" cy="204120"/>
           </a:xfrm>
           <a:prstGeom prst="rect">
             <a:avLst/>
@@ -13641,13 +13691,21 @@
             </a:pPr>
             <a:r>
               <a:rPr b="1" i="1" lang="en-US" sz="800" spc="-1" strike="noStrike">
+                <a:solidFill>
+                  <a:srgbClr val="000000"/>
+                </a:solidFill>
                 <a:latin typeface="Arial"/>
+                <a:ea typeface="DejaVu Sans"/>
               </a:rPr>
               <a:t>…</a:t>
             </a:r>
             <a:r>
               <a:rPr b="1" i="1" lang="en-US" sz="800" spc="-1" strike="noStrike">
+                <a:solidFill>
+                  <a:srgbClr val="000000"/>
+                </a:solidFill>
                 <a:latin typeface="Arial"/>
+                <a:ea typeface="DejaVu Sans"/>
               </a:rPr>
               <a:t>...</a:t>
             </a:r>
@@ -13670,7 +13728,7 @@
         <p:spPr>
           <a:xfrm>
             <a:off x="3220200" y="3762000"/>
-            <a:ext cx="109440" cy="82080"/>
+            <a:ext cx="109080" cy="81720"/>
           </a:xfrm>
           <a:prstGeom prst="rect">
             <a:avLst/>
@@ -13693,7 +13751,7 @@
         <p:spPr>
           <a:xfrm>
             <a:off x="3940560" y="3762360"/>
-            <a:ext cx="109440" cy="82080"/>
+            <a:ext cx="109080" cy="81720"/>
           </a:xfrm>
           <a:prstGeom prst="rect">
             <a:avLst/>
@@ -13716,7 +13774,7 @@
         <p:spPr>
           <a:xfrm>
             <a:off x="4480560" y="3762360"/>
-            <a:ext cx="109440" cy="82080"/>
+            <a:ext cx="109080" cy="81720"/>
           </a:xfrm>
           <a:prstGeom prst="rect">
             <a:avLst/>
@@ -13739,7 +13797,7 @@
         <p:spPr>
           <a:xfrm>
             <a:off x="4192920" y="3762720"/>
-            <a:ext cx="109440" cy="82080"/>
+            <a:ext cx="109080" cy="81720"/>
           </a:xfrm>
           <a:prstGeom prst="rect">
             <a:avLst/>
@@ -13758,7 +13816,7 @@
         <p:spPr>
           <a:xfrm>
             <a:off x="767160" y="4168080"/>
-            <a:ext cx="825840" cy="204480"/>
+            <a:ext cx="825480" cy="204120"/>
           </a:xfrm>
           <a:prstGeom prst="rect">
             <a:avLst/>
@@ -13787,7 +13845,11 @@
             </a:pPr>
             <a:r>
               <a:rPr b="0" i="1" lang="en-US" sz="800" spc="-1" strike="noStrike">
+                <a:solidFill>
+                  <a:srgbClr val="000000"/>
+                </a:solidFill>
                 <a:latin typeface="Arial"/>
+                <a:ea typeface="DejaVu Sans"/>
               </a:rPr>
               <a:t>C * W * H</a:t>
             </a:r>
@@ -13806,7 +13868,7 @@
         <p:spPr>
           <a:xfrm>
             <a:off x="1667520" y="4348440"/>
-            <a:ext cx="825840" cy="204480"/>
+            <a:ext cx="825480" cy="204120"/>
           </a:xfrm>
           <a:prstGeom prst="rect">
             <a:avLst/>
@@ -13835,7 +13897,11 @@
             </a:pPr>
             <a:r>
               <a:rPr b="0" i="1" lang="en-US" sz="800" spc="-1" strike="noStrike">
+                <a:solidFill>
+                  <a:srgbClr val="000000"/>
+                </a:solidFill>
                 <a:latin typeface="Arial"/>
+                <a:ea typeface="DejaVu Sans"/>
               </a:rPr>
               <a:t>C * p * p</a:t>
             </a:r>
@@ -13854,7 +13920,7 @@
         <p:spPr>
           <a:xfrm>
             <a:off x="2495160" y="3808080"/>
-            <a:ext cx="451440" cy="306360"/>
+            <a:ext cx="451080" cy="306000"/>
           </a:xfrm>
           <a:prstGeom prst="rect">
             <a:avLst/>
@@ -13883,7 +13949,11 @@
             </a:pPr>
             <a:r>
               <a:rPr b="0" i="1" lang="en-US" sz="800" spc="-1" strike="noStrike">
+                <a:solidFill>
+                  <a:srgbClr val="000000"/>
+                </a:solidFill>
                 <a:latin typeface="Arial"/>
+                <a:ea typeface="DejaVu Sans"/>
               </a:rPr>
               <a:t>p*p</a:t>
             </a:r>
@@ -13902,7 +13972,7 @@
         <p:spPr>
           <a:xfrm>
             <a:off x="2531520" y="3592440"/>
-            <a:ext cx="319320" cy="204480"/>
+            <a:ext cx="318960" cy="204120"/>
           </a:xfrm>
           <a:prstGeom prst="rect">
             <a:avLst/>
@@ -13931,7 +14001,11 @@
             </a:pPr>
             <a:r>
               <a:rPr b="0" i="1" lang="en-US" sz="800" spc="-1" strike="noStrike">
+                <a:solidFill>
+                  <a:srgbClr val="000000"/>
+                </a:solidFill>
                 <a:latin typeface="Arial"/>
+                <a:ea typeface="DejaVu Sans"/>
               </a:rPr>
               <a:t>1</a:t>
             </a:r>
@@ -13950,7 +14024,7 @@
         <p:spPr>
           <a:xfrm>
             <a:off x="2855520" y="3592800"/>
-            <a:ext cx="319320" cy="204480"/>
+            <a:ext cx="318960" cy="204120"/>
           </a:xfrm>
           <a:prstGeom prst="rect">
             <a:avLst/>
@@ -13979,7 +14053,11 @@
             </a:pPr>
             <a:r>
               <a:rPr b="0" i="1" lang="en-US" sz="800" spc="-1" strike="noStrike">
+                <a:solidFill>
+                  <a:srgbClr val="000000"/>
+                </a:solidFill>
                 <a:latin typeface="Arial"/>
+                <a:ea typeface="DejaVu Sans"/>
               </a:rPr>
               <a:t>2</a:t>
             </a:r>
@@ -13998,7 +14076,7 @@
         <p:spPr>
           <a:xfrm>
             <a:off x="3143520" y="3593160"/>
-            <a:ext cx="319320" cy="204480"/>
+            <a:ext cx="318960" cy="204120"/>
           </a:xfrm>
           <a:prstGeom prst="rect">
             <a:avLst/>
@@ -14027,7 +14105,11 @@
             </a:pPr>
             <a:r>
               <a:rPr b="0" i="1" lang="en-US" sz="800" spc="-1" strike="noStrike">
+                <a:solidFill>
+                  <a:srgbClr val="000000"/>
+                </a:solidFill>
                 <a:latin typeface="Arial"/>
+                <a:ea typeface="DejaVu Sans"/>
               </a:rPr>
               <a:t>3</a:t>
             </a:r>
@@ -14046,7 +14128,7 @@
         <p:spPr>
           <a:xfrm>
             <a:off x="4403520" y="3593520"/>
-            <a:ext cx="319320" cy="204480"/>
+            <a:ext cx="318960" cy="204120"/>
           </a:xfrm>
           <a:prstGeom prst="rect">
             <a:avLst/>
@@ -14075,7 +14157,11 @@
             </a:pPr>
             <a:r>
               <a:rPr b="0" i="1" lang="en-US" sz="800" spc="-1" strike="noStrike">
+                <a:solidFill>
+                  <a:srgbClr val="000000"/>
+                </a:solidFill>
                 <a:latin typeface="Arial"/>
+                <a:ea typeface="DejaVu Sans"/>
               </a:rPr>
               <a:t>B</a:t>
             </a:r>
@@ -14094,7 +14180,7 @@
         <p:spPr>
           <a:xfrm>
             <a:off x="4079520" y="3593880"/>
-            <a:ext cx="400680" cy="318960"/>
+            <a:ext cx="400320" cy="318600"/>
           </a:xfrm>
           <a:prstGeom prst="rect">
             <a:avLst/>
@@ -14123,7 +14209,11 @@
             </a:pPr>
             <a:r>
               <a:rPr b="0" i="1" lang="en-US" sz="800" spc="-1" strike="noStrike">
+                <a:solidFill>
+                  <a:srgbClr val="000000"/>
+                </a:solidFill>
                 <a:latin typeface="Arial"/>
+                <a:ea typeface="DejaVu Sans"/>
               </a:rPr>
               <a:t>C-1</a:t>
             </a:r>
@@ -14142,7 +14232,7 @@
         <p:spPr>
           <a:xfrm>
             <a:off x="3827520" y="3594240"/>
-            <a:ext cx="400680" cy="318960"/>
+            <a:ext cx="400320" cy="318600"/>
           </a:xfrm>
           <a:prstGeom prst="rect">
             <a:avLst/>
@@ -14171,7 +14261,11 @@
             </a:pPr>
             <a:r>
               <a:rPr b="0" i="1" lang="en-US" sz="800" spc="-1" strike="noStrike">
+                <a:solidFill>
+                  <a:srgbClr val="000000"/>
+                </a:solidFill>
                 <a:latin typeface="Arial"/>
+                <a:ea typeface="DejaVu Sans"/>
               </a:rPr>
               <a:t>C-2</a:t>
             </a:r>
@@ -14190,7 +14284,7 @@
         <p:spPr>
           <a:xfrm>
             <a:off x="2819520" y="3808080"/>
-            <a:ext cx="451440" cy="306360"/>
+            <a:ext cx="451080" cy="306000"/>
           </a:xfrm>
           <a:prstGeom prst="rect">
             <a:avLst/>
@@ -14219,7 +14313,11 @@
             </a:pPr>
             <a:r>
               <a:rPr b="0" i="1" lang="en-US" sz="800" spc="-1" strike="noStrike">
+                <a:solidFill>
+                  <a:srgbClr val="000000"/>
+                </a:solidFill>
                 <a:latin typeface="Arial"/>
+                <a:ea typeface="DejaVu Sans"/>
               </a:rPr>
               <a:t>p*p</a:t>
             </a:r>
@@ -14238,7 +14336,7 @@
         <p:spPr>
           <a:xfrm>
             <a:off x="3107880" y="3808080"/>
-            <a:ext cx="451440" cy="306360"/>
+            <a:ext cx="451080" cy="306000"/>
           </a:xfrm>
           <a:prstGeom prst="rect">
             <a:avLst/>
@@ -14267,7 +14365,11 @@
             </a:pPr>
             <a:r>
               <a:rPr b="0" i="1" lang="en-US" sz="800" spc="-1" strike="noStrike">
+                <a:solidFill>
+                  <a:srgbClr val="000000"/>
+                </a:solidFill>
                 <a:latin typeface="Arial"/>
+                <a:ea typeface="DejaVu Sans"/>
               </a:rPr>
               <a:t>p*p</a:t>
             </a:r>
@@ -14286,7 +14388,7 @@
         <p:spPr>
           <a:xfrm>
             <a:off x="3828240" y="3808080"/>
-            <a:ext cx="451440" cy="306360"/>
+            <a:ext cx="451080" cy="306000"/>
           </a:xfrm>
           <a:prstGeom prst="rect">
             <a:avLst/>
@@ -14315,7 +14417,11 @@
             </a:pPr>
             <a:r>
               <a:rPr b="0" i="1" lang="en-US" sz="800" spc="-1" strike="noStrike">
+                <a:solidFill>
+                  <a:srgbClr val="000000"/>
+                </a:solidFill>
                 <a:latin typeface="Arial"/>
+                <a:ea typeface="DejaVu Sans"/>
               </a:rPr>
               <a:t>p*p</a:t>
             </a:r>
@@ -14334,7 +14440,7 @@
         <p:spPr>
           <a:xfrm>
             <a:off x="4080600" y="3808080"/>
-            <a:ext cx="451440" cy="306360"/>
+            <a:ext cx="451080" cy="306000"/>
           </a:xfrm>
           <a:prstGeom prst="rect">
             <a:avLst/>
@@ -14363,7 +14469,11 @@
             </a:pPr>
             <a:r>
               <a:rPr b="0" i="1" lang="en-US" sz="800" spc="-1" strike="noStrike">
+                <a:solidFill>
+                  <a:srgbClr val="000000"/>
+                </a:solidFill>
                 <a:latin typeface="Arial"/>
+                <a:ea typeface="DejaVu Sans"/>
               </a:rPr>
               <a:t>p*p</a:t>
             </a:r>
@@ -14382,7 +14492,7 @@
         <p:spPr>
           <a:xfrm>
             <a:off x="4368960" y="3808080"/>
-            <a:ext cx="451440" cy="306360"/>
+            <a:ext cx="451080" cy="306000"/>
           </a:xfrm>
           <a:prstGeom prst="rect">
             <a:avLst/>
@@ -14411,7 +14521,11 @@
             </a:pPr>
             <a:r>
               <a:rPr b="0" i="1" lang="en-US" sz="800" spc="-1" strike="noStrike">
+                <a:solidFill>
+                  <a:srgbClr val="000000"/>
+                </a:solidFill>
                 <a:latin typeface="Arial"/>
+                <a:ea typeface="DejaVu Sans"/>
               </a:rPr>
               <a:t>p*p</a:t>
             </a:r>
@@ -14471,7 +14585,7 @@
         <p:spPr>
           <a:xfrm>
             <a:off x="758880" y="519120"/>
-            <a:ext cx="7552440" cy="535320"/>
+            <a:ext cx="7552080" cy="534960"/>
           </a:xfrm>
           <a:prstGeom prst="rect">
             <a:avLst/>
@@ -14523,7 +14637,7 @@
         <p:spPr>
           <a:xfrm>
             <a:off x="0" y="4572000"/>
-            <a:ext cx="1110600" cy="568800"/>
+            <a:ext cx="1110240" cy="568440"/>
           </a:xfrm>
           <a:prstGeom prst="rect">
             <a:avLst/>
@@ -14552,7 +14666,7 @@
               </a:lnSpc>
               <a:buNone/>
             </a:pPr>
-            <a:fld id="{F20248BA-9B6A-4BFF-97BF-92460290DF50}" type="slidenum">
+            <a:fld id="{83BA96DB-F1D4-44DC-B880-9E3EB8780CBA}" type="slidenum">
               <a:rPr b="0" lang="en-GB" sz="1100" spc="-1" strike="noStrike">
                 <a:solidFill>
                   <a:srgbClr val="000000"/>
@@ -14577,7 +14691,7 @@
         <p:spPr>
           <a:xfrm>
             <a:off x="932400" y="1052640"/>
-            <a:ext cx="7618320" cy="3395160"/>
+            <a:ext cx="7617960" cy="3394800"/>
           </a:xfrm>
           <a:prstGeom prst="rect">
             <a:avLst/>
@@ -14807,7 +14921,7 @@
         <p:spPr>
           <a:xfrm>
             <a:off x="1114920" y="1295640"/>
-            <a:ext cx="4644360" cy="1672560"/>
+            <a:ext cx="4644000" cy="1672200"/>
           </a:xfrm>
           <a:prstGeom prst="rect">
             <a:avLst/>
@@ -14830,7 +14944,7 @@
         <p:spPr>
           <a:xfrm>
             <a:off x="1124280" y="3291840"/>
-            <a:ext cx="4458240" cy="1004760"/>
+            <a:ext cx="4457880" cy="1004400"/>
           </a:xfrm>
           <a:prstGeom prst="rect">
             <a:avLst/>
@@ -14890,7 +15004,7 @@
         <p:spPr>
           <a:xfrm>
             <a:off x="758880" y="519120"/>
-            <a:ext cx="7552440" cy="535320"/>
+            <a:ext cx="7552080" cy="534960"/>
           </a:xfrm>
           <a:prstGeom prst="rect">
             <a:avLst/>
@@ -14942,7 +15056,7 @@
         <p:spPr>
           <a:xfrm>
             <a:off x="0" y="4572000"/>
-            <a:ext cx="1110600" cy="568800"/>
+            <a:ext cx="1110240" cy="568440"/>
           </a:xfrm>
           <a:prstGeom prst="rect">
             <a:avLst/>
@@ -14971,7 +15085,7 @@
               </a:lnSpc>
               <a:buNone/>
             </a:pPr>
-            <a:fld id="{A32C4951-1263-4CE2-973D-42FB21143C5C}" type="slidenum">
+            <a:fld id="{384C2F96-87BA-4064-8DB2-ECF268BFB64D}" type="slidenum">
               <a:rPr b="0" lang="en-GB" sz="1100" spc="-1" strike="noStrike">
                 <a:solidFill>
                   <a:srgbClr val="000000"/>
@@ -14996,7 +15110,7 @@
         <p:spPr>
           <a:xfrm>
             <a:off x="932400" y="1052640"/>
-            <a:ext cx="7618320" cy="3395160"/>
+            <a:ext cx="7617960" cy="3394800"/>
           </a:xfrm>
           <a:prstGeom prst="rect">
             <a:avLst/>
@@ -15171,7 +15285,7 @@
         <p:spPr>
           <a:xfrm>
             <a:off x="1388160" y="1477800"/>
-            <a:ext cx="3457080" cy="2453040"/>
+            <a:ext cx="3456720" cy="2452680"/>
           </a:xfrm>
           <a:prstGeom prst="rect">
             <a:avLst/>
@@ -15231,7 +15345,7 @@
         <p:spPr>
           <a:xfrm>
             <a:off x="758880" y="519120"/>
-            <a:ext cx="7552440" cy="535320"/>
+            <a:ext cx="7552080" cy="534960"/>
           </a:xfrm>
           <a:prstGeom prst="rect">
             <a:avLst/>
@@ -15283,7 +15397,7 @@
         <p:spPr>
           <a:xfrm>
             <a:off x="0" y="4572000"/>
-            <a:ext cx="1110600" cy="568800"/>
+            <a:ext cx="1110240" cy="568440"/>
           </a:xfrm>
           <a:prstGeom prst="rect">
             <a:avLst/>
@@ -15312,7 +15426,7 @@
               </a:lnSpc>
               <a:buNone/>
             </a:pPr>
-            <a:fld id="{C638FE11-CE9B-4D13-8A1A-8A536A210951}" type="slidenum">
+            <a:fld id="{A3E6112A-310A-4EF8-9F3F-D1AFD446AABA}" type="slidenum">
               <a:rPr b="0" lang="en-GB" sz="1100" spc="-1" strike="noStrike">
                 <a:solidFill>
                   <a:srgbClr val="000000"/>
@@ -15337,7 +15451,7 @@
         <p:spPr>
           <a:xfrm>
             <a:off x="932400" y="1052640"/>
-            <a:ext cx="7618320" cy="3395160"/>
+            <a:ext cx="7617960" cy="3394800"/>
           </a:xfrm>
           <a:prstGeom prst="rect">
             <a:avLst/>
@@ -15533,7 +15647,7 @@
         <p:spPr>
           <a:xfrm>
             <a:off x="1434240" y="1554480"/>
-            <a:ext cx="3959280" cy="1187280"/>
+            <a:ext cx="3958920" cy="1186920"/>
           </a:xfrm>
           <a:prstGeom prst="rect">
             <a:avLst/>
@@ -15556,7 +15670,7 @@
         <p:spPr>
           <a:xfrm>
             <a:off x="1463040" y="3485520"/>
-            <a:ext cx="4021920" cy="1110240"/>
+            <a:ext cx="4021560" cy="1109880"/>
           </a:xfrm>
           <a:prstGeom prst="rect">
             <a:avLst/>
@@ -15616,7 +15730,7 @@
         <p:spPr>
           <a:xfrm>
             <a:off x="758880" y="519120"/>
-            <a:ext cx="7552440" cy="535320"/>
+            <a:ext cx="7552080" cy="534960"/>
           </a:xfrm>
           <a:prstGeom prst="rect">
             <a:avLst/>
@@ -15668,7 +15782,7 @@
         <p:spPr>
           <a:xfrm>
             <a:off x="0" y="4572000"/>
-            <a:ext cx="1110600" cy="568800"/>
+            <a:ext cx="1110240" cy="568440"/>
           </a:xfrm>
           <a:prstGeom prst="rect">
             <a:avLst/>
@@ -15697,7 +15811,7 @@
               </a:lnSpc>
               <a:buNone/>
             </a:pPr>
-            <a:fld id="{B45E440D-A1A6-4D37-A8A9-07108299826D}" type="slidenum">
+            <a:fld id="{FB8FF6CF-0C0A-4FB2-9EAD-4697700E182B}" type="slidenum">
               <a:rPr b="0" lang="en-GB" sz="1100" spc="-1" strike="noStrike">
                 <a:solidFill>
                   <a:srgbClr val="000000"/>
@@ -15722,7 +15836,7 @@
         <p:spPr>
           <a:xfrm>
             <a:off x="932400" y="1052640"/>
-            <a:ext cx="7618320" cy="3395160"/>
+            <a:ext cx="7617960" cy="3394800"/>
           </a:xfrm>
           <a:prstGeom prst="rect">
             <a:avLst/>
@@ -15929,7 +16043,7 @@
         <p:spPr>
           <a:xfrm>
             <a:off x="1280160" y="2103120"/>
-            <a:ext cx="4350960" cy="1210680"/>
+            <a:ext cx="4350600" cy="1210320"/>
           </a:xfrm>
           <a:prstGeom prst="rect">
             <a:avLst/>
